--- a/assets/slides/E3 - Java Object Oriented.pptx
+++ b/assets/slides/E3 - Java Object Oriented.pptx
@@ -325,7 +325,7 @@
           <a:p>
             <a:fld id="{5591E39A-28E5-5D4D-B97C-ECEB96F19817}" type="datetimeFigureOut">
               <a:rPr lang="en-IT" smtClean="0"/>
-              <a:t>07/03/23</a:t>
+              <a:t>09/03/23</a:t>
             </a:fld>
             <a:endParaRPr lang="en-IT"/>
           </a:p>
@@ -504,7 +504,7 @@
             <a:fld id="{BAEB7694-8561-4BE2-948D-EDF7A201F8BB}" type="datetimeFigureOut">
               <a:rPr lang="it-IT" smtClean="0"/>
               <a:pPr/>
-              <a:t>07/03/23</a:t>
+              <a:t>09/03/23</a:t>
             </a:fld>
             <a:endParaRPr lang="it-IT"/>
           </a:p>
@@ -17082,11 +17082,30 @@
             </a:r>
             <a:r>
               <a:rPr lang="it-IT" sz="2600" dirty="0"/>
-              <a:t> </a:t>
-            </a:r>
+              <a:t> equality</a:t>
+            </a:r>
+          </a:p>
+          <a:p>
+            <a:pPr lvl="1"/>
             <a:r>
               <a:rPr lang="it-IT" sz="2600" dirty="0" err="1"/>
-              <a:t>equality</a:t>
+              <a:t>hashCode</a:t>
+            </a:r>
+            <a:r>
+              <a:rPr lang="it-IT" sz="2600" dirty="0"/>
+              <a:t>(): </a:t>
+            </a:r>
+            <a:r>
+              <a:rPr lang="it-IT" sz="2600" dirty="0" err="1"/>
+              <a:t>returns</a:t>
+            </a:r>
+            <a:r>
+              <a:rPr lang="it-IT" sz="2600" dirty="0"/>
+              <a:t> the hash code of the </a:t>
+            </a:r>
+            <a:r>
+              <a:rPr lang="it-IT" sz="2600" dirty="0" err="1"/>
+              <a:t>object</a:t>
             </a:r>
             <a:endParaRPr lang="it-IT" sz="2600" dirty="0"/>
           </a:p>
@@ -22852,11 +22871,11 @@
               <a:t> i = 2 + </a:t>
             </a:r>
             <a:r>
-              <a:rPr lang="it-IT" sz="1600" i="1" dirty="0" err="1">
-                <a:latin typeface="Consolas" panose="020B0609020204030204" pitchFamily="49" charset="0"/>
-                <a:cs typeface="Consolas" panose="020B0609020204030204" pitchFamily="49" charset="0"/>
-              </a:rPr>
-              <a:t>method</a:t>
+              <a:rPr lang="it-IT" sz="1600" i="1" dirty="0">
+                <a:latin typeface="Consolas" panose="020B0609020204030204" pitchFamily="49" charset="0"/>
+                <a:cs typeface="Consolas" panose="020B0609020204030204" pitchFamily="49" charset="0"/>
+              </a:rPr>
+              <a:t>double</a:t>
             </a:r>
             <a:r>
               <a:rPr lang="it-IT" sz="1600" dirty="0">

--- a/assets/slides/E3 - Java Object Oriented.pptx
+++ b/assets/slides/E3 - Java Object Oriented.pptx
@@ -325,7 +325,7 @@
           <a:p>
             <a:fld id="{5591E39A-28E5-5D4D-B97C-ECEB96F19817}" type="datetimeFigureOut">
               <a:rPr lang="en-IT" smtClean="0"/>
-              <a:t>09/03/23</a:t>
+              <a:t>16/03/23</a:t>
             </a:fld>
             <a:endParaRPr lang="en-IT"/>
           </a:p>
@@ -504,7 +504,7 @@
             <a:fld id="{BAEB7694-8561-4BE2-948D-EDF7A201F8BB}" type="datetimeFigureOut">
               <a:rPr lang="it-IT" smtClean="0"/>
               <a:pPr/>
-              <a:t>09/03/23</a:t>
+              <a:t>16/03/23</a:t>
             </a:fld>
             <a:endParaRPr lang="it-IT"/>
           </a:p>
@@ -807,14 +807,14 @@
           <a:ln w="9525"/>
           <a:extLst>
             <a:ext uri="{909E8E84-426E-40dd-AFC4-6F175D3DCCD1}">
-              <a14:hiddenFill xmlns:a14="http://schemas.microsoft.com/office/drawing/2010/main" xmlns="">
+              <a14:hiddenFill xmlns="" xmlns:a14="http://schemas.microsoft.com/office/drawing/2010/main">
                 <a:solidFill>
                   <a:srgbClr val="FFFFFF"/>
                 </a:solidFill>
               </a14:hiddenFill>
             </a:ext>
             <a:ext uri="{91240B29-F687-4f45-9708-019B960494DF}">
-              <a14:hiddenLine xmlns:a14="http://schemas.microsoft.com/office/drawing/2010/main" xmlns="" w="12700">
+              <a14:hiddenLine xmlns="" xmlns:a14="http://schemas.microsoft.com/office/drawing/2010/main" w="12700">
                 <a:solidFill>
                   <a:srgbClr val="000000"/>
                 </a:solidFill>
@@ -978,14 +978,14 @@
           <a:ln w="9525"/>
           <a:extLst>
             <a:ext uri="{909E8E84-426E-40dd-AFC4-6F175D3DCCD1}">
-              <a14:hiddenFill xmlns:a14="http://schemas.microsoft.com/office/drawing/2010/main" xmlns="">
+              <a14:hiddenFill xmlns="" xmlns:a14="http://schemas.microsoft.com/office/drawing/2010/main">
                 <a:solidFill>
                   <a:srgbClr val="FFFFFF"/>
                 </a:solidFill>
               </a14:hiddenFill>
             </a:ext>
             <a:ext uri="{91240B29-F687-4f45-9708-019B960494DF}">
-              <a14:hiddenLine xmlns:a14="http://schemas.microsoft.com/office/drawing/2010/main" xmlns="" w="9525">
+              <a14:hiddenLine xmlns="" xmlns:a14="http://schemas.microsoft.com/office/drawing/2010/main" w="9525">
                 <a:solidFill>
                   <a:srgbClr val="000000"/>
                 </a:solidFill>
@@ -995,7 +995,7 @@
               </a14:hiddenLine>
             </a:ext>
             <a:ext uri="{FAA26D3D-D897-4be2-8F04-BA451C77F1D7}">
-              <ma14:placeholderFlag xmlns:ma14="http://schemas.microsoft.com/office/mac/drawingml/2011/main" xmlns="" val="1"/>
+              <ma14:placeholderFlag xmlns="" xmlns:ma14="http://schemas.microsoft.com/office/mac/drawingml/2011/main" val="1"/>
             </a:ext>
           </a:extLst>
         </p:spPr>
@@ -1049,14 +1049,14 @@
           <a:ln w="9525"/>
           <a:extLst>
             <a:ext uri="{909E8E84-426E-40dd-AFC4-6F175D3DCCD1}">
-              <a14:hiddenFill xmlns:a14="http://schemas.microsoft.com/office/drawing/2010/main" xmlns="">
+              <a14:hiddenFill xmlns="" xmlns:a14="http://schemas.microsoft.com/office/drawing/2010/main">
                 <a:solidFill>
                   <a:srgbClr val="FFFFFF"/>
                 </a:solidFill>
               </a14:hiddenFill>
             </a:ext>
             <a:ext uri="{91240B29-F687-4f45-9708-019B960494DF}">
-              <a14:hiddenLine xmlns:a14="http://schemas.microsoft.com/office/drawing/2010/main" xmlns="" w="12700">
+              <a14:hiddenLine xmlns="" xmlns:a14="http://schemas.microsoft.com/office/drawing/2010/main" w="12700">
                 <a:solidFill>
                   <a:srgbClr val="000000"/>
                 </a:solidFill>
@@ -1220,14 +1220,14 @@
           <a:ln w="9525"/>
           <a:extLst>
             <a:ext uri="{909E8E84-426E-40dd-AFC4-6F175D3DCCD1}">
-              <a14:hiddenFill xmlns:a14="http://schemas.microsoft.com/office/drawing/2010/main" xmlns="">
+              <a14:hiddenFill xmlns="" xmlns:a14="http://schemas.microsoft.com/office/drawing/2010/main">
                 <a:solidFill>
                   <a:srgbClr val="FFFFFF"/>
                 </a:solidFill>
               </a14:hiddenFill>
             </a:ext>
             <a:ext uri="{91240B29-F687-4f45-9708-019B960494DF}">
-              <a14:hiddenLine xmlns:a14="http://schemas.microsoft.com/office/drawing/2010/main" xmlns="" w="9525">
+              <a14:hiddenLine xmlns="" xmlns:a14="http://schemas.microsoft.com/office/drawing/2010/main" w="9525">
                 <a:solidFill>
                   <a:srgbClr val="000000"/>
                 </a:solidFill>
@@ -1237,7 +1237,7 @@
               </a14:hiddenLine>
             </a:ext>
             <a:ext uri="{FAA26D3D-D897-4be2-8F04-BA451C77F1D7}">
-              <ma14:placeholderFlag xmlns:ma14="http://schemas.microsoft.com/office/mac/drawingml/2011/main" xmlns="" val="1"/>
+              <ma14:placeholderFlag xmlns="" xmlns:ma14="http://schemas.microsoft.com/office/mac/drawingml/2011/main" val="1"/>
             </a:ext>
           </a:extLst>
         </p:spPr>
@@ -1296,14 +1296,14 @@
           <a:ln w="9525"/>
           <a:extLst>
             <a:ext uri="{909E8E84-426E-40dd-AFC4-6F175D3DCCD1}">
-              <a14:hiddenFill xmlns:a14="http://schemas.microsoft.com/office/drawing/2010/main" xmlns="">
+              <a14:hiddenFill xmlns="" xmlns:a14="http://schemas.microsoft.com/office/drawing/2010/main">
                 <a:solidFill>
                   <a:srgbClr val="FFFFFF"/>
                 </a:solidFill>
               </a14:hiddenFill>
             </a:ext>
             <a:ext uri="{91240B29-F687-4f45-9708-019B960494DF}">
-              <a14:hiddenLine xmlns:a14="http://schemas.microsoft.com/office/drawing/2010/main" xmlns="" w="12700">
+              <a14:hiddenLine xmlns="" xmlns:a14="http://schemas.microsoft.com/office/drawing/2010/main" w="12700">
                 <a:solidFill>
                   <a:srgbClr val="000000"/>
                 </a:solidFill>
@@ -1467,14 +1467,14 @@
           <a:ln w="9525"/>
           <a:extLst>
             <a:ext uri="{909E8E84-426E-40dd-AFC4-6F175D3DCCD1}">
-              <a14:hiddenFill xmlns:a14="http://schemas.microsoft.com/office/drawing/2010/main" xmlns="">
+              <a14:hiddenFill xmlns="" xmlns:a14="http://schemas.microsoft.com/office/drawing/2010/main">
                 <a:solidFill>
                   <a:srgbClr val="FFFFFF"/>
                 </a:solidFill>
               </a14:hiddenFill>
             </a:ext>
             <a:ext uri="{91240B29-F687-4f45-9708-019B960494DF}">
-              <a14:hiddenLine xmlns:a14="http://schemas.microsoft.com/office/drawing/2010/main" xmlns="" w="9525">
+              <a14:hiddenLine xmlns="" xmlns:a14="http://schemas.microsoft.com/office/drawing/2010/main" w="9525">
                 <a:solidFill>
                   <a:srgbClr val="000000"/>
                 </a:solidFill>
@@ -1484,7 +1484,7 @@
               </a14:hiddenLine>
             </a:ext>
             <a:ext uri="{FAA26D3D-D897-4be2-8F04-BA451C77F1D7}">
-              <ma14:placeholderFlag xmlns:ma14="http://schemas.microsoft.com/office/mac/drawingml/2011/main" xmlns="" val="1"/>
+              <ma14:placeholderFlag xmlns="" xmlns:ma14="http://schemas.microsoft.com/office/mac/drawingml/2011/main" val="1"/>
             </a:ext>
           </a:extLst>
         </p:spPr>
@@ -1538,14 +1538,14 @@
           <a:ln w="9525"/>
           <a:extLst>
             <a:ext uri="{909E8E84-426E-40dd-AFC4-6F175D3DCCD1}">
-              <a14:hiddenFill xmlns:a14="http://schemas.microsoft.com/office/drawing/2010/main" xmlns="">
+              <a14:hiddenFill xmlns="" xmlns:a14="http://schemas.microsoft.com/office/drawing/2010/main">
                 <a:solidFill>
                   <a:srgbClr val="FFFFFF"/>
                 </a:solidFill>
               </a14:hiddenFill>
             </a:ext>
             <a:ext uri="{91240B29-F687-4f45-9708-019B960494DF}">
-              <a14:hiddenLine xmlns:a14="http://schemas.microsoft.com/office/drawing/2010/main" xmlns="" w="12700">
+              <a14:hiddenLine xmlns="" xmlns:a14="http://schemas.microsoft.com/office/drawing/2010/main" w="12700">
                 <a:solidFill>
                   <a:srgbClr val="000000"/>
                 </a:solidFill>
@@ -1709,14 +1709,14 @@
           <a:ln w="9525"/>
           <a:extLst>
             <a:ext uri="{909E8E84-426E-40dd-AFC4-6F175D3DCCD1}">
-              <a14:hiddenFill xmlns:a14="http://schemas.microsoft.com/office/drawing/2010/main" xmlns="">
+              <a14:hiddenFill xmlns="" xmlns:a14="http://schemas.microsoft.com/office/drawing/2010/main">
                 <a:solidFill>
                   <a:srgbClr val="FFFFFF"/>
                 </a:solidFill>
               </a14:hiddenFill>
             </a:ext>
             <a:ext uri="{91240B29-F687-4f45-9708-019B960494DF}">
-              <a14:hiddenLine xmlns:a14="http://schemas.microsoft.com/office/drawing/2010/main" xmlns="" w="9525">
+              <a14:hiddenLine xmlns="" xmlns:a14="http://schemas.microsoft.com/office/drawing/2010/main" w="9525">
                 <a:solidFill>
                   <a:srgbClr val="000000"/>
                 </a:solidFill>
@@ -1726,7 +1726,7 @@
               </a14:hiddenLine>
             </a:ext>
             <a:ext uri="{FAA26D3D-D897-4be2-8F04-BA451C77F1D7}">
-              <ma14:placeholderFlag xmlns:ma14="http://schemas.microsoft.com/office/mac/drawingml/2011/main" xmlns="" val="1"/>
+              <ma14:placeholderFlag xmlns="" xmlns:ma14="http://schemas.microsoft.com/office/mac/drawingml/2011/main" val="1"/>
             </a:ext>
           </a:extLst>
         </p:spPr>
@@ -1780,14 +1780,14 @@
           <a:ln w="9525"/>
           <a:extLst>
             <a:ext uri="{909E8E84-426E-40dd-AFC4-6F175D3DCCD1}">
-              <a14:hiddenFill xmlns:a14="http://schemas.microsoft.com/office/drawing/2010/main" xmlns="">
+              <a14:hiddenFill xmlns="" xmlns:a14="http://schemas.microsoft.com/office/drawing/2010/main">
                 <a:solidFill>
                   <a:srgbClr val="FFFFFF"/>
                 </a:solidFill>
               </a14:hiddenFill>
             </a:ext>
             <a:ext uri="{91240B29-F687-4f45-9708-019B960494DF}">
-              <a14:hiddenLine xmlns:a14="http://schemas.microsoft.com/office/drawing/2010/main" xmlns="" w="12700">
+              <a14:hiddenLine xmlns="" xmlns:a14="http://schemas.microsoft.com/office/drawing/2010/main" w="12700">
                 <a:solidFill>
                   <a:srgbClr val="000000"/>
                 </a:solidFill>
@@ -1951,14 +1951,14 @@
           <a:ln w="9525"/>
           <a:extLst>
             <a:ext uri="{909E8E84-426E-40dd-AFC4-6F175D3DCCD1}">
-              <a14:hiddenFill xmlns:a14="http://schemas.microsoft.com/office/drawing/2010/main" xmlns="">
+              <a14:hiddenFill xmlns="" xmlns:a14="http://schemas.microsoft.com/office/drawing/2010/main">
                 <a:solidFill>
                   <a:srgbClr val="FFFFFF"/>
                 </a:solidFill>
               </a14:hiddenFill>
             </a:ext>
             <a:ext uri="{91240B29-F687-4f45-9708-019B960494DF}">
-              <a14:hiddenLine xmlns:a14="http://schemas.microsoft.com/office/drawing/2010/main" xmlns="" w="9525">
+              <a14:hiddenLine xmlns="" xmlns:a14="http://schemas.microsoft.com/office/drawing/2010/main" w="9525">
                 <a:solidFill>
                   <a:srgbClr val="000000"/>
                 </a:solidFill>
@@ -1968,7 +1968,7 @@
               </a14:hiddenLine>
             </a:ext>
             <a:ext uri="{FAA26D3D-D897-4be2-8F04-BA451C77F1D7}">
-              <ma14:placeholderFlag xmlns:ma14="http://schemas.microsoft.com/office/mac/drawingml/2011/main" xmlns="" val="1"/>
+              <ma14:placeholderFlag xmlns="" xmlns:ma14="http://schemas.microsoft.com/office/mac/drawingml/2011/main" val="1"/>
             </a:ext>
           </a:extLst>
         </p:spPr>
@@ -2022,14 +2022,14 @@
           <a:ln w="9525"/>
           <a:extLst>
             <a:ext uri="{909E8E84-426E-40dd-AFC4-6F175D3DCCD1}">
-              <a14:hiddenFill xmlns:a14="http://schemas.microsoft.com/office/drawing/2010/main" xmlns="">
+              <a14:hiddenFill xmlns="" xmlns:a14="http://schemas.microsoft.com/office/drawing/2010/main">
                 <a:solidFill>
                   <a:srgbClr val="FFFFFF"/>
                 </a:solidFill>
               </a14:hiddenFill>
             </a:ext>
             <a:ext uri="{91240B29-F687-4f45-9708-019B960494DF}">
-              <a14:hiddenLine xmlns:a14="http://schemas.microsoft.com/office/drawing/2010/main" xmlns="" w="12700">
+              <a14:hiddenLine xmlns="" xmlns:a14="http://schemas.microsoft.com/office/drawing/2010/main" w="12700">
                 <a:solidFill>
                   <a:srgbClr val="000000"/>
                 </a:solidFill>
@@ -2193,14 +2193,14 @@
           <a:ln w="9525"/>
           <a:extLst>
             <a:ext uri="{909E8E84-426E-40dd-AFC4-6F175D3DCCD1}">
-              <a14:hiddenFill xmlns:a14="http://schemas.microsoft.com/office/drawing/2010/main" xmlns="">
+              <a14:hiddenFill xmlns="" xmlns:a14="http://schemas.microsoft.com/office/drawing/2010/main">
                 <a:solidFill>
                   <a:srgbClr val="FFFFFF"/>
                 </a:solidFill>
               </a14:hiddenFill>
             </a:ext>
             <a:ext uri="{91240B29-F687-4f45-9708-019B960494DF}">
-              <a14:hiddenLine xmlns:a14="http://schemas.microsoft.com/office/drawing/2010/main" xmlns="" w="9525">
+              <a14:hiddenLine xmlns="" xmlns:a14="http://schemas.microsoft.com/office/drawing/2010/main" w="9525">
                 <a:solidFill>
                   <a:srgbClr val="000000"/>
                 </a:solidFill>
@@ -2210,7 +2210,7 @@
               </a14:hiddenLine>
             </a:ext>
             <a:ext uri="{FAA26D3D-D897-4be2-8F04-BA451C77F1D7}">
-              <ma14:placeholderFlag xmlns:ma14="http://schemas.microsoft.com/office/mac/drawingml/2011/main" xmlns="" val="1"/>
+              <ma14:placeholderFlag xmlns="" xmlns:ma14="http://schemas.microsoft.com/office/mac/drawingml/2011/main" val="1"/>
             </a:ext>
           </a:extLst>
         </p:spPr>
@@ -2264,14 +2264,14 @@
           <a:ln w="9525"/>
           <a:extLst>
             <a:ext uri="{909E8E84-426E-40dd-AFC4-6F175D3DCCD1}">
-              <a14:hiddenFill xmlns:a14="http://schemas.microsoft.com/office/drawing/2010/main" xmlns="">
+              <a14:hiddenFill xmlns="" xmlns:a14="http://schemas.microsoft.com/office/drawing/2010/main">
                 <a:solidFill>
                   <a:srgbClr val="FFFFFF"/>
                 </a:solidFill>
               </a14:hiddenFill>
             </a:ext>
             <a:ext uri="{91240B29-F687-4f45-9708-019B960494DF}">
-              <a14:hiddenLine xmlns:a14="http://schemas.microsoft.com/office/drawing/2010/main" xmlns="" w="12700">
+              <a14:hiddenLine xmlns="" xmlns:a14="http://schemas.microsoft.com/office/drawing/2010/main" w="12700">
                 <a:solidFill>
                   <a:srgbClr val="000000"/>
                 </a:solidFill>
@@ -2435,14 +2435,14 @@
           <a:ln w="9525"/>
           <a:extLst>
             <a:ext uri="{909E8E84-426E-40dd-AFC4-6F175D3DCCD1}">
-              <a14:hiddenFill xmlns:a14="http://schemas.microsoft.com/office/drawing/2010/main" xmlns="">
+              <a14:hiddenFill xmlns="" xmlns:a14="http://schemas.microsoft.com/office/drawing/2010/main">
                 <a:solidFill>
                   <a:srgbClr val="FFFFFF"/>
                 </a:solidFill>
               </a14:hiddenFill>
             </a:ext>
             <a:ext uri="{91240B29-F687-4f45-9708-019B960494DF}">
-              <a14:hiddenLine xmlns:a14="http://schemas.microsoft.com/office/drawing/2010/main" xmlns="" w="9525">
+              <a14:hiddenLine xmlns="" xmlns:a14="http://schemas.microsoft.com/office/drawing/2010/main" w="9525">
                 <a:solidFill>
                   <a:srgbClr val="000000"/>
                 </a:solidFill>
@@ -2452,7 +2452,7 @@
               </a14:hiddenLine>
             </a:ext>
             <a:ext uri="{FAA26D3D-D897-4be2-8F04-BA451C77F1D7}">
-              <ma14:placeholderFlag xmlns:ma14="http://schemas.microsoft.com/office/mac/drawingml/2011/main" xmlns="" val="1"/>
+              <ma14:placeholderFlag xmlns="" xmlns:ma14="http://schemas.microsoft.com/office/mac/drawingml/2011/main" val="1"/>
             </a:ext>
           </a:extLst>
         </p:spPr>
@@ -2506,14 +2506,14 @@
           <a:ln w="9525"/>
           <a:extLst>
             <a:ext uri="{909E8E84-426E-40dd-AFC4-6F175D3DCCD1}">
-              <a14:hiddenFill xmlns:a14="http://schemas.microsoft.com/office/drawing/2010/main" xmlns="">
+              <a14:hiddenFill xmlns="" xmlns:a14="http://schemas.microsoft.com/office/drawing/2010/main">
                 <a:solidFill>
                   <a:srgbClr val="FFFFFF"/>
                 </a:solidFill>
               </a14:hiddenFill>
             </a:ext>
             <a:ext uri="{91240B29-F687-4f45-9708-019B960494DF}">
-              <a14:hiddenLine xmlns:a14="http://schemas.microsoft.com/office/drawing/2010/main" xmlns="" w="12700">
+              <a14:hiddenLine xmlns="" xmlns:a14="http://schemas.microsoft.com/office/drawing/2010/main" w="12700">
                 <a:solidFill>
                   <a:srgbClr val="000000"/>
                 </a:solidFill>
@@ -2677,14 +2677,14 @@
           <a:ln w="9525"/>
           <a:extLst>
             <a:ext uri="{909E8E84-426E-40dd-AFC4-6F175D3DCCD1}">
-              <a14:hiddenFill xmlns:a14="http://schemas.microsoft.com/office/drawing/2010/main" xmlns="">
+              <a14:hiddenFill xmlns="" xmlns:a14="http://schemas.microsoft.com/office/drawing/2010/main">
                 <a:solidFill>
                   <a:srgbClr val="FFFFFF"/>
                 </a:solidFill>
               </a14:hiddenFill>
             </a:ext>
             <a:ext uri="{91240B29-F687-4f45-9708-019B960494DF}">
-              <a14:hiddenLine xmlns:a14="http://schemas.microsoft.com/office/drawing/2010/main" xmlns="" w="9525">
+              <a14:hiddenLine xmlns="" xmlns:a14="http://schemas.microsoft.com/office/drawing/2010/main" w="9525">
                 <a:solidFill>
                   <a:srgbClr val="000000"/>
                 </a:solidFill>
@@ -2694,7 +2694,7 @@
               </a14:hiddenLine>
             </a:ext>
             <a:ext uri="{FAA26D3D-D897-4be2-8F04-BA451C77F1D7}">
-              <ma14:placeholderFlag xmlns:ma14="http://schemas.microsoft.com/office/mac/drawingml/2011/main" xmlns="" val="1"/>
+              <ma14:placeholderFlag xmlns="" xmlns:ma14="http://schemas.microsoft.com/office/mac/drawingml/2011/main" val="1"/>
             </a:ext>
           </a:extLst>
         </p:spPr>
@@ -2748,14 +2748,14 @@
           <a:ln w="9525"/>
           <a:extLst>
             <a:ext uri="{909E8E84-426E-40dd-AFC4-6F175D3DCCD1}">
-              <a14:hiddenFill xmlns:a14="http://schemas.microsoft.com/office/drawing/2010/main" xmlns="">
+              <a14:hiddenFill xmlns="" xmlns:a14="http://schemas.microsoft.com/office/drawing/2010/main">
                 <a:solidFill>
                   <a:srgbClr val="FFFFFF"/>
                 </a:solidFill>
               </a14:hiddenFill>
             </a:ext>
             <a:ext uri="{91240B29-F687-4f45-9708-019B960494DF}">
-              <a14:hiddenLine xmlns:a14="http://schemas.microsoft.com/office/drawing/2010/main" xmlns="" w="12700">
+              <a14:hiddenLine xmlns="" xmlns:a14="http://schemas.microsoft.com/office/drawing/2010/main" w="12700">
                 <a:solidFill>
                   <a:srgbClr val="000000"/>
                 </a:solidFill>
@@ -2919,14 +2919,14 @@
           <a:ln w="9525"/>
           <a:extLst>
             <a:ext uri="{909E8E84-426E-40dd-AFC4-6F175D3DCCD1}">
-              <a14:hiddenFill xmlns:a14="http://schemas.microsoft.com/office/drawing/2010/main" xmlns="">
+              <a14:hiddenFill xmlns="" xmlns:a14="http://schemas.microsoft.com/office/drawing/2010/main">
                 <a:solidFill>
                   <a:srgbClr val="FFFFFF"/>
                 </a:solidFill>
               </a14:hiddenFill>
             </a:ext>
             <a:ext uri="{91240B29-F687-4f45-9708-019B960494DF}">
-              <a14:hiddenLine xmlns:a14="http://schemas.microsoft.com/office/drawing/2010/main" xmlns="" w="9525">
+              <a14:hiddenLine xmlns="" xmlns:a14="http://schemas.microsoft.com/office/drawing/2010/main" w="9525">
                 <a:solidFill>
                   <a:srgbClr val="000000"/>
                 </a:solidFill>
@@ -2936,7 +2936,7 @@
               </a14:hiddenLine>
             </a:ext>
             <a:ext uri="{FAA26D3D-D897-4be2-8F04-BA451C77F1D7}">
-              <ma14:placeholderFlag xmlns:ma14="http://schemas.microsoft.com/office/mac/drawingml/2011/main" xmlns="" val="1"/>
+              <ma14:placeholderFlag xmlns="" xmlns:ma14="http://schemas.microsoft.com/office/mac/drawingml/2011/main" val="1"/>
             </a:ext>
           </a:extLst>
         </p:spPr>
@@ -2995,14 +2995,14 @@
           <a:ln w="9525"/>
           <a:extLst>
             <a:ext uri="{909E8E84-426E-40dd-AFC4-6F175D3DCCD1}">
-              <a14:hiddenFill xmlns:a14="http://schemas.microsoft.com/office/drawing/2010/main" xmlns="">
+              <a14:hiddenFill xmlns="" xmlns:a14="http://schemas.microsoft.com/office/drawing/2010/main">
                 <a:solidFill>
                   <a:srgbClr val="FFFFFF"/>
                 </a:solidFill>
               </a14:hiddenFill>
             </a:ext>
             <a:ext uri="{91240B29-F687-4f45-9708-019B960494DF}">
-              <a14:hiddenLine xmlns:a14="http://schemas.microsoft.com/office/drawing/2010/main" xmlns="" w="12700">
+              <a14:hiddenLine xmlns="" xmlns:a14="http://schemas.microsoft.com/office/drawing/2010/main" w="12700">
                 <a:solidFill>
                   <a:srgbClr val="000000"/>
                 </a:solidFill>
@@ -3166,14 +3166,14 @@
           <a:ln w="9525"/>
           <a:extLst>
             <a:ext uri="{909E8E84-426E-40dd-AFC4-6F175D3DCCD1}">
-              <a14:hiddenFill xmlns:a14="http://schemas.microsoft.com/office/drawing/2010/main" xmlns="">
+              <a14:hiddenFill xmlns="" xmlns:a14="http://schemas.microsoft.com/office/drawing/2010/main">
                 <a:solidFill>
                   <a:srgbClr val="FFFFFF"/>
                 </a:solidFill>
               </a14:hiddenFill>
             </a:ext>
             <a:ext uri="{91240B29-F687-4f45-9708-019B960494DF}">
-              <a14:hiddenLine xmlns:a14="http://schemas.microsoft.com/office/drawing/2010/main" xmlns="" w="9525">
+              <a14:hiddenLine xmlns="" xmlns:a14="http://schemas.microsoft.com/office/drawing/2010/main" w="9525">
                 <a:solidFill>
                   <a:srgbClr val="000000"/>
                 </a:solidFill>
@@ -3183,7 +3183,7 @@
               </a14:hiddenLine>
             </a:ext>
             <a:ext uri="{FAA26D3D-D897-4be2-8F04-BA451C77F1D7}">
-              <ma14:placeholderFlag xmlns:ma14="http://schemas.microsoft.com/office/mac/drawingml/2011/main" xmlns="" val="1"/>
+              <ma14:placeholderFlag xmlns="" xmlns:ma14="http://schemas.microsoft.com/office/mac/drawingml/2011/main" val="1"/>
             </a:ext>
           </a:extLst>
         </p:spPr>
@@ -3237,14 +3237,14 @@
           <a:ln w="9525"/>
           <a:extLst>
             <a:ext uri="{909E8E84-426E-40dd-AFC4-6F175D3DCCD1}">
-              <a14:hiddenFill xmlns:a14="http://schemas.microsoft.com/office/drawing/2010/main" xmlns="">
+              <a14:hiddenFill xmlns="" xmlns:a14="http://schemas.microsoft.com/office/drawing/2010/main">
                 <a:solidFill>
                   <a:srgbClr val="FFFFFF"/>
                 </a:solidFill>
               </a14:hiddenFill>
             </a:ext>
             <a:ext uri="{91240B29-F687-4f45-9708-019B960494DF}">
-              <a14:hiddenLine xmlns:a14="http://schemas.microsoft.com/office/drawing/2010/main" xmlns="" w="12700">
+              <a14:hiddenLine xmlns="" xmlns:a14="http://schemas.microsoft.com/office/drawing/2010/main" w="12700">
                 <a:solidFill>
                   <a:srgbClr val="000000"/>
                 </a:solidFill>
@@ -3408,14 +3408,14 @@
           <a:ln w="9525"/>
           <a:extLst>
             <a:ext uri="{909E8E84-426E-40dd-AFC4-6F175D3DCCD1}">
-              <a14:hiddenFill xmlns:a14="http://schemas.microsoft.com/office/drawing/2010/main" xmlns="">
+              <a14:hiddenFill xmlns="" xmlns:a14="http://schemas.microsoft.com/office/drawing/2010/main">
                 <a:solidFill>
                   <a:srgbClr val="FFFFFF"/>
                 </a:solidFill>
               </a14:hiddenFill>
             </a:ext>
             <a:ext uri="{91240B29-F687-4f45-9708-019B960494DF}">
-              <a14:hiddenLine xmlns:a14="http://schemas.microsoft.com/office/drawing/2010/main" xmlns="" w="9525">
+              <a14:hiddenLine xmlns="" xmlns:a14="http://schemas.microsoft.com/office/drawing/2010/main" w="9525">
                 <a:solidFill>
                   <a:srgbClr val="000000"/>
                 </a:solidFill>
@@ -3425,7 +3425,7 @@
               </a14:hiddenLine>
             </a:ext>
             <a:ext uri="{FAA26D3D-D897-4be2-8F04-BA451C77F1D7}">
-              <ma14:placeholderFlag xmlns:ma14="http://schemas.microsoft.com/office/mac/drawingml/2011/main" xmlns="" val="1"/>
+              <ma14:placeholderFlag xmlns="" xmlns:ma14="http://schemas.microsoft.com/office/mac/drawingml/2011/main" val="1"/>
             </a:ext>
           </a:extLst>
         </p:spPr>
@@ -7341,14 +7341,14 @@
           <a:ln/>
           <a:extLst>
             <a:ext uri="{909E8E84-426E-40dd-AFC4-6F175D3DCCD1}">
-              <a14:hiddenFill xmlns:a14="http://schemas.microsoft.com/office/drawing/2010/main" xmlns="">
+              <a14:hiddenFill xmlns="" xmlns:a14="http://schemas.microsoft.com/office/drawing/2010/main">
                 <a:solidFill>
                   <a:srgbClr val="FFFFFF"/>
                 </a:solidFill>
               </a14:hiddenFill>
             </a:ext>
             <a:ext uri="{91240B29-F687-4f45-9708-019B960494DF}">
-              <a14:hiddenLine xmlns:a14="http://schemas.microsoft.com/office/drawing/2010/main" xmlns="" w="9525">
+              <a14:hiddenLine xmlns="" xmlns:a14="http://schemas.microsoft.com/office/drawing/2010/main" w="9525">
                 <a:solidFill>
                   <a:srgbClr val="000000"/>
                 </a:solidFill>
@@ -39100,14 +39100,14 @@
           <a:ln/>
           <a:extLst>
             <a:ext uri="{909E8E84-426E-40dd-AFC4-6F175D3DCCD1}">
-              <a14:hiddenFill xmlns:a14="http://schemas.microsoft.com/office/drawing/2010/main" xmlns="">
+              <a14:hiddenFill xmlns="" xmlns:a14="http://schemas.microsoft.com/office/drawing/2010/main">
                 <a:solidFill>
                   <a:srgbClr val="FFFFFF"/>
                 </a:solidFill>
               </a14:hiddenFill>
             </a:ext>
             <a:ext uri="{91240B29-F687-4f45-9708-019B960494DF}">
-              <a14:hiddenLine xmlns:a14="http://schemas.microsoft.com/office/drawing/2010/main" xmlns="" w="9525">
+              <a14:hiddenLine xmlns="" xmlns:a14="http://schemas.microsoft.com/office/drawing/2010/main" w="9525">
                 <a:solidFill>
                   <a:srgbClr val="000000"/>
                 </a:solidFill>
@@ -39607,14 +39607,14 @@
           <a:ln/>
           <a:extLst>
             <a:ext uri="{909E8E84-426E-40dd-AFC4-6F175D3DCCD1}">
-              <a14:hiddenFill xmlns:a14="http://schemas.microsoft.com/office/drawing/2010/main" xmlns="">
+              <a14:hiddenFill xmlns="" xmlns:a14="http://schemas.microsoft.com/office/drawing/2010/main">
                 <a:solidFill>
                   <a:srgbClr val="FFFFFF"/>
                 </a:solidFill>
               </a14:hiddenFill>
             </a:ext>
             <a:ext uri="{91240B29-F687-4f45-9708-019B960494DF}">
-              <a14:hiddenLine xmlns:a14="http://schemas.microsoft.com/office/drawing/2010/main" xmlns="" w="9525">
+              <a14:hiddenLine xmlns="" xmlns:a14="http://schemas.microsoft.com/office/drawing/2010/main" w="9525">
                 <a:solidFill>
                   <a:srgbClr val="000000"/>
                 </a:solidFill>
@@ -40127,14 +40127,14 @@
           <a:ln/>
           <a:extLst>
             <a:ext uri="{909E8E84-426E-40dd-AFC4-6F175D3DCCD1}">
-              <a14:hiddenFill xmlns:a14="http://schemas.microsoft.com/office/drawing/2010/main" xmlns="">
+              <a14:hiddenFill xmlns="" xmlns:a14="http://schemas.microsoft.com/office/drawing/2010/main">
                 <a:solidFill>
                   <a:srgbClr val="FFFFFF"/>
                 </a:solidFill>
               </a14:hiddenFill>
             </a:ext>
             <a:ext uri="{91240B29-F687-4f45-9708-019B960494DF}">
-              <a14:hiddenLine xmlns:a14="http://schemas.microsoft.com/office/drawing/2010/main" xmlns="" w="9525">
+              <a14:hiddenLine xmlns="" xmlns:a14="http://schemas.microsoft.com/office/drawing/2010/main" w="9525">
                 <a:solidFill>
                   <a:srgbClr val="000000"/>
                 </a:solidFill>
@@ -40976,14 +40976,14 @@
           <a:ln/>
           <a:extLst>
             <a:ext uri="{909E8E84-426E-40dd-AFC4-6F175D3DCCD1}">
-              <a14:hiddenFill xmlns:a14="http://schemas.microsoft.com/office/drawing/2010/main" xmlns="">
+              <a14:hiddenFill xmlns="" xmlns:a14="http://schemas.microsoft.com/office/drawing/2010/main">
                 <a:solidFill>
                   <a:srgbClr val="FFFFFF"/>
                 </a:solidFill>
               </a14:hiddenFill>
             </a:ext>
             <a:ext uri="{91240B29-F687-4f45-9708-019B960494DF}">
-              <a14:hiddenLine xmlns:a14="http://schemas.microsoft.com/office/drawing/2010/main" xmlns="" w="9525">
+              <a14:hiddenLine xmlns="" xmlns:a14="http://schemas.microsoft.com/office/drawing/2010/main" w="9525">
                 <a:solidFill>
                   <a:srgbClr val="000000"/>
                 </a:solidFill>
@@ -41170,14 +41170,14 @@
           <a:ln/>
           <a:extLst>
             <a:ext uri="{909E8E84-426E-40dd-AFC4-6F175D3DCCD1}">
-              <a14:hiddenFill xmlns:a14="http://schemas.microsoft.com/office/drawing/2010/main" xmlns="">
+              <a14:hiddenFill xmlns="" xmlns:a14="http://schemas.microsoft.com/office/drawing/2010/main">
                 <a:solidFill>
                   <a:srgbClr val="FFFFFF"/>
                 </a:solidFill>
               </a14:hiddenFill>
             </a:ext>
             <a:ext uri="{91240B29-F687-4f45-9708-019B960494DF}">
-              <a14:hiddenLine xmlns:a14="http://schemas.microsoft.com/office/drawing/2010/main" xmlns="" w="9525">
+              <a14:hiddenLine xmlns="" xmlns:a14="http://schemas.microsoft.com/office/drawing/2010/main" w="9525">
                 <a:solidFill>
                   <a:srgbClr val="000000"/>
                 </a:solidFill>
@@ -42466,14 +42466,14 @@
           <a:ln/>
           <a:extLst>
             <a:ext uri="{909E8E84-426E-40dd-AFC4-6F175D3DCCD1}">
-              <a14:hiddenFill xmlns:a14="http://schemas.microsoft.com/office/drawing/2010/main" xmlns="">
+              <a14:hiddenFill xmlns="" xmlns:a14="http://schemas.microsoft.com/office/drawing/2010/main">
                 <a:solidFill>
                   <a:srgbClr val="FFFFFF"/>
                 </a:solidFill>
               </a14:hiddenFill>
             </a:ext>
             <a:ext uri="{91240B29-F687-4f45-9708-019B960494DF}">
-              <a14:hiddenLine xmlns:a14="http://schemas.microsoft.com/office/drawing/2010/main" xmlns="" w="9525">
+              <a14:hiddenLine xmlns="" xmlns:a14="http://schemas.microsoft.com/office/drawing/2010/main" w="9525">
                 <a:solidFill>
                   <a:srgbClr val="000000"/>
                 </a:solidFill>
@@ -45887,14 +45887,14 @@
           <a:ln/>
           <a:extLst>
             <a:ext uri="{909E8E84-426E-40dd-AFC4-6F175D3DCCD1}">
-              <a14:hiddenFill xmlns="" xmlns:a14="http://schemas.microsoft.com/office/drawing/2010/main">
+              <a14:hiddenFill xmlns:a14="http://schemas.microsoft.com/office/drawing/2010/main" xmlns="">
                 <a:solidFill>
                   <a:srgbClr val="FFFFFF"/>
                 </a:solidFill>
               </a14:hiddenFill>
             </a:ext>
             <a:ext uri="{91240B29-F687-4f45-9708-019B960494DF}">
-              <a14:hiddenLine xmlns="" xmlns:a14="http://schemas.microsoft.com/office/drawing/2010/main" w="9525">
+              <a14:hiddenLine xmlns:a14="http://schemas.microsoft.com/office/drawing/2010/main" xmlns="" w="9525">
                 <a:solidFill>
                   <a:srgbClr val="000000"/>
                 </a:solidFill>
@@ -46296,14 +46296,34 @@
           </a:p>
           <a:p>
             <a:r>
+              <a:rPr lang="en-GB" dirty="0">
+                <a:solidFill>
+                  <a:schemeClr val="accent6">
+                    <a:lumMod val="75000"/>
+                  </a:schemeClr>
+                </a:solidFill>
+              </a:rPr>
+              <a:t>Default methods </a:t>
+            </a:r>
+            <a:r>
               <a:rPr lang="en-GB" dirty="0"/>
-              <a:t>Default methods enable you to add new functionality to the interfaces of your libraries and ensure binary compatibility with code written for older versions of those interfaces.</a:t>
-            </a:r>
-          </a:p>
-          <a:p>
+              <a:t>enable you to add new functionality to the interfaces of your libraries and ensure binary compatibility with code written for older versions of those interfaces.</a:t>
+            </a:r>
+          </a:p>
+          <a:p>
+            <a:r>
+              <a:rPr lang="en-GB" dirty="0">
+                <a:solidFill>
+                  <a:schemeClr val="accent6">
+                    <a:lumMod val="75000"/>
+                  </a:schemeClr>
+                </a:solidFill>
+              </a:rPr>
+              <a:t>A static method </a:t>
+            </a:r>
             <a:r>
               <a:rPr lang="en-GB" dirty="0"/>
-              <a:t>A static method is a method that is associated with the class in which it is defined rather than with any object. Every instance of the class shares its static methods.</a:t>
+              <a:t>is a method that is associated with the class in which it is defined rather than with any object. Every instance of the class shares its static methods.</a:t>
             </a:r>
           </a:p>
           <a:p>
@@ -47246,14 +47266,14 @@
           <a:ln/>
           <a:extLst>
             <a:ext uri="{909E8E84-426E-40dd-AFC4-6F175D3DCCD1}">
-              <a14:hiddenFill xmlns:a14="http://schemas.microsoft.com/office/drawing/2010/main" xmlns="">
+              <a14:hiddenFill xmlns="" xmlns:a14="http://schemas.microsoft.com/office/drawing/2010/main">
                 <a:solidFill>
                   <a:srgbClr val="FFFFFF"/>
                 </a:solidFill>
               </a14:hiddenFill>
             </a:ext>
             <a:ext uri="{91240B29-F687-4f45-9708-019B960494DF}">
-              <a14:hiddenLine xmlns:a14="http://schemas.microsoft.com/office/drawing/2010/main" xmlns="" w="9525">
+              <a14:hiddenLine xmlns="" xmlns:a14="http://schemas.microsoft.com/office/drawing/2010/main" w="9525">
                 <a:solidFill>
                   <a:srgbClr val="000000"/>
                 </a:solidFill>
@@ -47996,14 +48016,14 @@
           <a:ln/>
           <a:extLst>
             <a:ext uri="{909E8E84-426E-40dd-AFC4-6F175D3DCCD1}">
-              <a14:hiddenFill xmlns:a14="http://schemas.microsoft.com/office/drawing/2010/main" xmlns="">
+              <a14:hiddenFill xmlns="" xmlns:a14="http://schemas.microsoft.com/office/drawing/2010/main">
                 <a:solidFill>
                   <a:srgbClr val="FFFFFF"/>
                 </a:solidFill>
               </a14:hiddenFill>
             </a:ext>
             <a:ext uri="{91240B29-F687-4f45-9708-019B960494DF}">
-              <a14:hiddenLine xmlns:a14="http://schemas.microsoft.com/office/drawing/2010/main" xmlns="" w="9525">
+              <a14:hiddenLine xmlns="" xmlns:a14="http://schemas.microsoft.com/office/drawing/2010/main" w="9525">
                 <a:solidFill>
                   <a:srgbClr val="000000"/>
                 </a:solidFill>
@@ -49204,14 +49224,14 @@
           <a:ln/>
           <a:extLst>
             <a:ext uri="{909E8E84-426E-40dd-AFC4-6F175D3DCCD1}">
-              <a14:hiddenFill xmlns:a14="http://schemas.microsoft.com/office/drawing/2010/main" xmlns="">
+              <a14:hiddenFill xmlns="" xmlns:a14="http://schemas.microsoft.com/office/drawing/2010/main">
                 <a:solidFill>
                   <a:srgbClr val="FFFFFF"/>
                 </a:solidFill>
               </a14:hiddenFill>
             </a:ext>
             <a:ext uri="{91240B29-F687-4f45-9708-019B960494DF}">
-              <a14:hiddenLine xmlns:a14="http://schemas.microsoft.com/office/drawing/2010/main" xmlns="" w="9525">
+              <a14:hiddenLine xmlns="" xmlns:a14="http://schemas.microsoft.com/office/drawing/2010/main" w="9525">
                 <a:solidFill>
                   <a:srgbClr val="000000"/>
                 </a:solidFill>
@@ -49710,14 +49730,14 @@
           <a:ln/>
           <a:extLst>
             <a:ext uri="{909E8E84-426E-40dd-AFC4-6F175D3DCCD1}">
-              <a14:hiddenFill xmlns:a14="http://schemas.microsoft.com/office/drawing/2010/main" xmlns="">
+              <a14:hiddenFill xmlns="" xmlns:a14="http://schemas.microsoft.com/office/drawing/2010/main">
                 <a:solidFill>
                   <a:srgbClr val="FFFFFF"/>
                 </a:solidFill>
               </a14:hiddenFill>
             </a:ext>
             <a:ext uri="{91240B29-F687-4f45-9708-019B960494DF}">
-              <a14:hiddenLine xmlns:a14="http://schemas.microsoft.com/office/drawing/2010/main" xmlns="" w="9525">
+              <a14:hiddenLine xmlns="" xmlns:a14="http://schemas.microsoft.com/office/drawing/2010/main" w="9525">
                 <a:solidFill>
                   <a:srgbClr val="000000"/>
                 </a:solidFill>
